--- a/Prezentare.pptx
+++ b/Prezentare.pptx
@@ -9,9 +9,9 @@
     <p:sldId id="257" r:id="rId3"/>
     <p:sldId id="258" r:id="rId4"/>
     <p:sldId id="259" r:id="rId5"/>
-    <p:sldId id="260" r:id="rId6"/>
-    <p:sldId id="261" r:id="rId7"/>
-    <p:sldId id="262" r:id="rId8"/>
+    <p:sldId id="262" r:id="rId6"/>
+    <p:sldId id="260" r:id="rId7"/>
+    <p:sldId id="261" r:id="rId8"/>
     <p:sldId id="264" r:id="rId9"/>
     <p:sldId id="265" r:id="rId10"/>
     <p:sldId id="266" r:id="rId11"/>
@@ -116,6 +116,11 @@
       </a:defRPr>
     </a:lvl9pPr>
   </p:defaultTextStyle>
+  <p:extLst>
+    <p:ext uri="{EFAFB233-063F-42B5-8137-9DF3F51BA10A}">
+      <p15:sldGuideLst xmlns:p15="http://schemas.microsoft.com/office/powerpoint/2012/main"/>
+    </p:ext>
+  </p:extLst>
 </p:presentation>
 </file>
 
@@ -345,7 +350,7 @@
           <a:p>
             <a:fld id="{4BDF68E2-58F2-4D09-BE8B-E3BD06533059}" type="datetimeFigureOut">
               <a:rPr lang="en-US" dirty="0"/>
-              <a:t>7/13/2020</a:t>
+              <a:t>7/15/2020</a:t>
             </a:fld>
             <a:endParaRPr lang="en-US" dirty="0"/>
           </a:p>
@@ -548,7 +553,7 @@
           <a:p>
             <a:fld id="{2E2D6473-DF6D-4702-B328-E0DD40540A4E}" type="datetimeFigureOut">
               <a:rPr lang="en-US" dirty="0"/>
-              <a:t>7/13/2020</a:t>
+              <a:t>7/15/2020</a:t>
             </a:fld>
             <a:endParaRPr lang="en-US" dirty="0"/>
           </a:p>
@@ -799,7 +804,7 @@
           <a:p>
             <a:fld id="{E26F7E3A-B166-407D-9866-32884E7D5B37}" type="datetimeFigureOut">
               <a:rPr lang="en-US" dirty="0"/>
-              <a:t>7/13/2020</a:t>
+              <a:t>7/15/2020</a:t>
             </a:fld>
             <a:endParaRPr lang="en-US" dirty="0"/>
           </a:p>
@@ -968,7 +973,7 @@
           <a:p>
             <a:fld id="{528FC5F6-F338-4AE4-BB23-26385BCFC423}" type="datetimeFigureOut">
               <a:rPr lang="en-US" dirty="0"/>
-              <a:t>7/13/2020</a:t>
+              <a:t>7/15/2020</a:t>
             </a:fld>
             <a:endParaRPr lang="en-US" dirty="0"/>
           </a:p>
@@ -1306,7 +1311,7 @@
           <a:p>
             <a:fld id="{20EBB0C4-6273-4C6E-B9BD-2EDC30F1CD52}" type="datetimeFigureOut">
               <a:rPr lang="en-US" dirty="0"/>
-              <a:t>7/13/2020</a:t>
+              <a:t>7/15/2020</a:t>
             </a:fld>
             <a:endParaRPr lang="en-US" dirty="0"/>
           </a:p>
@@ -1576,7 +1581,7 @@
           <a:p>
             <a:fld id="{19AB4D41-86C1-4908-B66A-0B50CEB3BF29}" type="datetimeFigureOut">
               <a:rPr lang="en-US" dirty="0"/>
-              <a:t>7/13/2020</a:t>
+              <a:t>7/15/2020</a:t>
             </a:fld>
             <a:endParaRPr lang="en-US" dirty="0"/>
           </a:p>
@@ -1950,7 +1955,7 @@
           <a:p>
             <a:fld id="{E6426E2C-56C1-4E0D-A793-0088A7FDD37E}" type="datetimeFigureOut">
               <a:rPr lang="en-US" dirty="0"/>
-              <a:t>7/13/2020</a:t>
+              <a:t>7/15/2020</a:t>
             </a:fld>
             <a:endParaRPr lang="en-US" dirty="0"/>
           </a:p>
@@ -2063,7 +2068,7 @@
           <a:p>
             <a:fld id="{C8C39B41-D8B5-4052-B551-9B5525EAA8B6}" type="datetimeFigureOut">
               <a:rPr lang="en-US" dirty="0"/>
-              <a:t>7/13/2020</a:t>
+              <a:t>7/15/2020</a:t>
             </a:fld>
             <a:endParaRPr lang="en-US" dirty="0"/>
           </a:p>
@@ -2229,7 +2234,7 @@
           <a:p>
             <a:fld id="{4D94136C-8742-45B2-AF27-D93DF72833A9}" type="datetimeFigureOut">
               <a:rPr lang="en-US" dirty="0"/>
-              <a:t>7/13/2020</a:t>
+              <a:t>7/15/2020</a:t>
             </a:fld>
             <a:endParaRPr lang="en-US" dirty="0"/>
           </a:p>
@@ -2579,7 +2584,7 @@
           <a:p>
             <a:fld id="{32ABBEA6-7C60-4B02-AE87-00D78D8422AF}" type="datetimeFigureOut">
               <a:rPr lang="en-US" dirty="0"/>
-              <a:t>7/13/2020</a:t>
+              <a:t>7/15/2020</a:t>
             </a:fld>
             <a:endParaRPr lang="en-US" dirty="0"/>
           </a:p>
@@ -2957,7 +2962,7 @@
           <a:p>
             <a:fld id="{C9CAD897-D46E-4AD2-BD9B-49DD3E640873}" type="datetimeFigureOut">
               <a:rPr lang="en-US" dirty="0"/>
-              <a:t>7/13/2020</a:t>
+              <a:t>7/15/2020</a:t>
             </a:fld>
             <a:endParaRPr lang="en-US" dirty="0"/>
           </a:p>
@@ -3239,7 +3244,7 @@
           <a:p>
             <a:fld id="{98624D31-43A5-475A-80CF-332C9F6DCF35}" type="datetimeFigureOut">
               <a:rPr lang="en-US" dirty="0"/>
-              <a:t>7/13/2020</a:t>
+              <a:t>7/15/2020</a:t>
             </a:fld>
             <a:endParaRPr lang="en-US" dirty="0"/>
           </a:p>
@@ -4680,6 +4685,90 @@
           <a:p>
             <a:r>
               <a:rPr lang="ro-RO" dirty="0" smtClean="0"/>
+              <a:t>Procedeul de obținere a imaginilor</a:t>
+            </a:r>
+            <a:endParaRPr lang="en-US" dirty="0"/>
+          </a:p>
+        </p:txBody>
+      </p:sp>
+      <p:pic>
+        <p:nvPicPr>
+          <p:cNvPr id="4" name="Picture 3"/>
+          <p:cNvPicPr>
+            <a:picLocks noChangeAspect="1"/>
+          </p:cNvPicPr>
+          <p:nvPr/>
+        </p:nvPicPr>
+        <p:blipFill>
+          <a:blip r:embed="rId2"/>
+          <a:stretch>
+            <a:fillRect/>
+          </a:stretch>
+        </p:blipFill>
+        <p:spPr>
+          <a:xfrm>
+            <a:off x="2756647" y="1787454"/>
+            <a:ext cx="14430972" cy="7586117"/>
+          </a:xfrm>
+          <a:prstGeom prst="rect">
+            <a:avLst/>
+          </a:prstGeom>
+        </p:spPr>
+      </p:pic>
+    </p:spTree>
+    <p:extLst>
+      <p:ext uri="{BB962C8B-B14F-4D97-AF65-F5344CB8AC3E}">
+        <p14:creationId xmlns:p14="http://schemas.microsoft.com/office/powerpoint/2010/main" val="3776144461"/>
+      </p:ext>
+    </p:extLst>
+  </p:cSld>
+  <p:clrMapOvr>
+    <a:masterClrMapping/>
+  </p:clrMapOvr>
+  <p:timing>
+    <p:tnLst>
+      <p:par>
+        <p:cTn id="1" dur="indefinite" restart="never" nodeType="tmRoot"/>
+      </p:par>
+    </p:tnLst>
+  </p:timing>
+</p:sld>
+</file>
+
+<file path=ppt/slides/slide6.xml><?xml version="1.0" encoding="utf-8"?>
+<p:sld xmlns:a="http://schemas.openxmlformats.org/drawingml/2006/main" xmlns:r="http://schemas.openxmlformats.org/officeDocument/2006/relationships" xmlns:p="http://schemas.openxmlformats.org/presentationml/2006/main">
+  <p:cSld>
+    <p:spTree>
+      <p:nvGrpSpPr>
+        <p:cNvPr id="1" name=""/>
+        <p:cNvGrpSpPr/>
+        <p:nvPr/>
+      </p:nvGrpSpPr>
+      <p:grpSpPr>
+        <a:xfrm>
+          <a:off x="0" y="0"/>
+          <a:ext cx="0" cy="0"/>
+          <a:chOff x="0" y="0"/>
+          <a:chExt cx="0" cy="0"/>
+        </a:xfrm>
+      </p:grpSpPr>
+      <p:sp>
+        <p:nvSpPr>
+          <p:cNvPr id="2" name="Title 1"/>
+          <p:cNvSpPr>
+            <a:spLocks noGrp="1"/>
+          </p:cNvSpPr>
+          <p:nvPr>
+            <p:ph type="title"/>
+          </p:nvPr>
+        </p:nvSpPr>
+        <p:spPr/>
+        <p:txBody>
+          <a:bodyPr/>
+          <a:lstStyle/>
+          <a:p>
+            <a:r>
+              <a:rPr lang="ro-RO" dirty="0" smtClean="0"/>
               <a:t>Mfcc</a:t>
             </a:r>
             <a:endParaRPr lang="en-US" dirty="0"/>
@@ -4730,7 +4819,7 @@
 </p:sld>
 </file>
 
-<file path=ppt/slides/slide6.xml><?xml version="1.0" encoding="utf-8"?>
+<file path=ppt/slides/slide7.xml><?xml version="1.0" encoding="utf-8"?>
 <p:sld xmlns:a="http://schemas.openxmlformats.org/drawingml/2006/main" xmlns:r="http://schemas.openxmlformats.org/officeDocument/2006/relationships" xmlns:p="http://schemas.openxmlformats.org/presentationml/2006/main">
   <p:cSld>
     <p:spTree>
@@ -4800,90 +4889,6 @@
     <p:extLst>
       <p:ext uri="{BB962C8B-B14F-4D97-AF65-F5344CB8AC3E}">
         <p14:creationId xmlns:p14="http://schemas.microsoft.com/office/powerpoint/2010/main" val="346200047"/>
-      </p:ext>
-    </p:extLst>
-  </p:cSld>
-  <p:clrMapOvr>
-    <a:masterClrMapping/>
-  </p:clrMapOvr>
-  <p:timing>
-    <p:tnLst>
-      <p:par>
-        <p:cTn id="1" dur="indefinite" restart="never" nodeType="tmRoot"/>
-      </p:par>
-    </p:tnLst>
-  </p:timing>
-</p:sld>
-</file>
-
-<file path=ppt/slides/slide7.xml><?xml version="1.0" encoding="utf-8"?>
-<p:sld xmlns:a="http://schemas.openxmlformats.org/drawingml/2006/main" xmlns:r="http://schemas.openxmlformats.org/officeDocument/2006/relationships" xmlns:p="http://schemas.openxmlformats.org/presentationml/2006/main">
-  <p:cSld>
-    <p:spTree>
-      <p:nvGrpSpPr>
-        <p:cNvPr id="1" name=""/>
-        <p:cNvGrpSpPr/>
-        <p:nvPr/>
-      </p:nvGrpSpPr>
-      <p:grpSpPr>
-        <a:xfrm>
-          <a:off x="0" y="0"/>
-          <a:ext cx="0" cy="0"/>
-          <a:chOff x="0" y="0"/>
-          <a:chExt cx="0" cy="0"/>
-        </a:xfrm>
-      </p:grpSpPr>
-      <p:sp>
-        <p:nvSpPr>
-          <p:cNvPr id="2" name="Title 1"/>
-          <p:cNvSpPr>
-            <a:spLocks noGrp="1"/>
-          </p:cNvSpPr>
-          <p:nvPr>
-            <p:ph type="title"/>
-          </p:nvPr>
-        </p:nvSpPr>
-        <p:spPr/>
-        <p:txBody>
-          <a:bodyPr/>
-          <a:lstStyle/>
-          <a:p>
-            <a:r>
-              <a:rPr lang="ro-RO" dirty="0" smtClean="0"/>
-              <a:t>Procedeul de obținere a imaginilor</a:t>
-            </a:r>
-            <a:endParaRPr lang="en-US" dirty="0"/>
-          </a:p>
-        </p:txBody>
-      </p:sp>
-      <p:pic>
-        <p:nvPicPr>
-          <p:cNvPr id="4" name="Picture 3"/>
-          <p:cNvPicPr>
-            <a:picLocks noChangeAspect="1"/>
-          </p:cNvPicPr>
-          <p:nvPr/>
-        </p:nvPicPr>
-        <p:blipFill>
-          <a:blip r:embed="rId2"/>
-          <a:stretch>
-            <a:fillRect/>
-          </a:stretch>
-        </p:blipFill>
-        <p:spPr>
-          <a:xfrm>
-            <a:off x="2756647" y="1787454"/>
-            <a:ext cx="14430972" cy="7586117"/>
-          </a:xfrm>
-          <a:prstGeom prst="rect">
-            <a:avLst/>
-          </a:prstGeom>
-        </p:spPr>
-      </p:pic>
-    </p:spTree>
-    <p:extLst>
-      <p:ext uri="{BB962C8B-B14F-4D97-AF65-F5344CB8AC3E}">
-        <p14:creationId xmlns:p14="http://schemas.microsoft.com/office/powerpoint/2010/main" val="3776144461"/>
       </p:ext>
     </p:extLst>
   </p:cSld>
